--- a/Docs and PPTS/Spring-boot-Docs/Spring Boot PPT.pptx
+++ b/Docs and PPTS/Spring-boot-Docs/Spring Boot PPT.pptx
@@ -274,7 +274,7 @@
           <a:p>
             <a:fld id="{DAF27136-5F7E-E342-8C0F-B134C404CC59}" type="datetimeFigureOut">
               <a:rPr lang="en-US" smtClean="0"/>
-              <a:t>11/9/20</a:t>
+              <a:t>3/18/21</a:t>
             </a:fld>
             <a:endParaRPr lang="en-US"/>
           </a:p>
@@ -472,7 +472,7 @@
           <a:p>
             <a:fld id="{DAF27136-5F7E-E342-8C0F-B134C404CC59}" type="datetimeFigureOut">
               <a:rPr lang="en-US" smtClean="0"/>
-              <a:t>11/9/20</a:t>
+              <a:t>3/18/21</a:t>
             </a:fld>
             <a:endParaRPr lang="en-US"/>
           </a:p>
@@ -680,7 +680,7 @@
           <a:p>
             <a:fld id="{DAF27136-5F7E-E342-8C0F-B134C404CC59}" type="datetimeFigureOut">
               <a:rPr lang="en-US" smtClean="0"/>
-              <a:t>11/9/20</a:t>
+              <a:t>3/18/21</a:t>
             </a:fld>
             <a:endParaRPr lang="en-US"/>
           </a:p>
@@ -878,7 +878,7 @@
           <a:p>
             <a:fld id="{DAF27136-5F7E-E342-8C0F-B134C404CC59}" type="datetimeFigureOut">
               <a:rPr lang="en-US" smtClean="0"/>
-              <a:t>11/9/20</a:t>
+              <a:t>3/18/21</a:t>
             </a:fld>
             <a:endParaRPr lang="en-US"/>
           </a:p>
@@ -1153,7 +1153,7 @@
           <a:p>
             <a:fld id="{DAF27136-5F7E-E342-8C0F-B134C404CC59}" type="datetimeFigureOut">
               <a:rPr lang="en-US" smtClean="0"/>
-              <a:t>11/9/20</a:t>
+              <a:t>3/18/21</a:t>
             </a:fld>
             <a:endParaRPr lang="en-US"/>
           </a:p>
@@ -1418,7 +1418,7 @@
           <a:p>
             <a:fld id="{DAF27136-5F7E-E342-8C0F-B134C404CC59}" type="datetimeFigureOut">
               <a:rPr lang="en-US" smtClean="0"/>
-              <a:t>11/9/20</a:t>
+              <a:t>3/18/21</a:t>
             </a:fld>
             <a:endParaRPr lang="en-US"/>
           </a:p>
@@ -1830,7 +1830,7 @@
           <a:p>
             <a:fld id="{DAF27136-5F7E-E342-8C0F-B134C404CC59}" type="datetimeFigureOut">
               <a:rPr lang="en-US" smtClean="0"/>
-              <a:t>11/9/20</a:t>
+              <a:t>3/18/21</a:t>
             </a:fld>
             <a:endParaRPr lang="en-US"/>
           </a:p>
@@ -1971,7 +1971,7 @@
           <a:p>
             <a:fld id="{DAF27136-5F7E-E342-8C0F-B134C404CC59}" type="datetimeFigureOut">
               <a:rPr lang="en-US" smtClean="0"/>
-              <a:t>11/9/20</a:t>
+              <a:t>3/18/21</a:t>
             </a:fld>
             <a:endParaRPr lang="en-US"/>
           </a:p>
@@ -2084,7 +2084,7 @@
           <a:p>
             <a:fld id="{DAF27136-5F7E-E342-8C0F-B134C404CC59}" type="datetimeFigureOut">
               <a:rPr lang="en-US" smtClean="0"/>
-              <a:t>11/9/20</a:t>
+              <a:t>3/18/21</a:t>
             </a:fld>
             <a:endParaRPr lang="en-US"/>
           </a:p>
@@ -2395,7 +2395,7 @@
           <a:p>
             <a:fld id="{DAF27136-5F7E-E342-8C0F-B134C404CC59}" type="datetimeFigureOut">
               <a:rPr lang="en-US" smtClean="0"/>
-              <a:t>11/9/20</a:t>
+              <a:t>3/18/21</a:t>
             </a:fld>
             <a:endParaRPr lang="en-US"/>
           </a:p>
@@ -2683,7 +2683,7 @@
           <a:p>
             <a:fld id="{DAF27136-5F7E-E342-8C0F-B134C404CC59}" type="datetimeFigureOut">
               <a:rPr lang="en-US" smtClean="0"/>
-              <a:t>11/9/20</a:t>
+              <a:t>3/18/21</a:t>
             </a:fld>
             <a:endParaRPr lang="en-US"/>
           </a:p>
@@ -2924,7 +2924,7 @@
           <a:p>
             <a:fld id="{DAF27136-5F7E-E342-8C0F-B134C404CC59}" type="datetimeFigureOut">
               <a:rPr lang="en-US" smtClean="0"/>
-              <a:t>11/9/20</a:t>
+              <a:t>3/18/21</a:t>
             </a:fld>
             <a:endParaRPr lang="en-US"/>
           </a:p>
@@ -4014,7 +4014,7 @@
             </a:pPr>
             <a:r>
               <a:rPr lang="en-IN" sz="1300" dirty="0"/>
-              <a:t>        &lt;version&gt;2.3.4.RELEASE&lt;/version&gt;</a:t>
+              <a:t>        &lt;version&gt;2.3.9.RELEASE&lt;/version&gt;</a:t>
             </a:r>
           </a:p>
           <a:p>
@@ -5435,15 +5435,14 @@
             </a:r>
             <a:r>
               <a:rPr lang="en-IN" dirty="0"/>
-              <a:t>, using customisable properties. We need to enable auto configuration by adding either </a:t>
-            </a:r>
-            <a:r>
-              <a:rPr lang="en-IN" b="1" i="1" dirty="0"/>
-              <a:t>@EnableAutoConfiguration </a:t>
-            </a:r>
-            <a:r>
-              <a:rPr lang="en-IN" dirty="0"/>
-              <a:t>or </a:t>
+              <a:t>, using customisable properties. </a:t>
+            </a:r>
+          </a:p>
+          <a:p>
+            <a:pPr lvl="0"/>
+            <a:r>
+              <a:rPr lang="en-IN" dirty="0"/>
+              <a:t>We need to enable auto configuration by adding </a:t>
             </a:r>
             <a:r>
               <a:rPr lang="en-IN" b="1" i="1" dirty="0">
@@ -5945,7 +5944,7 @@
             </a:pPr>
             <a:r>
               <a:rPr lang="en-IN" sz="1500" dirty="0"/>
-              <a:t>            &lt;version&gt;1.9.1.RELEASE&lt;/version&gt;</a:t>
+              <a:t>            &lt;version&gt;2.3.9.RELEASE&lt;/version&gt;</a:t>
             </a:r>
           </a:p>
           <a:p>
@@ -6030,7 +6029,7 @@
             </a:pPr>
             <a:r>
               <a:rPr lang="en-IN" sz="1500" dirty="0"/>
-              <a:t>            &lt;version&gt;1.9.1.RELEASE&lt;/version&gt;</a:t>
+              <a:t>            &lt;version&gt;2.3.9.RELEASE&lt;/version&gt;</a:t>
             </a:r>
           </a:p>
           <a:p>
@@ -6115,7 +6114,7 @@
             </a:pPr>
             <a:r>
               <a:rPr lang="en-IN" sz="1500" dirty="0"/>
-              <a:t>            &lt;version&gt;1.9.1.RELEASE&lt;/version&gt;</a:t>
+              <a:t>            &lt;version&gt;2.3.9.RELEASE&lt;/version&gt;</a:t>
             </a:r>
           </a:p>
           <a:p>
@@ -6555,7 +6554,7 @@
             </a:pPr>
             <a:r>
               <a:rPr lang="en-IN" dirty="0"/>
-              <a:t>        &lt;version&gt;2.3.4.RELEASE&lt;/version&gt;</a:t>
+              <a:t>        &lt;version&gt;2.3.9.RELEASE&lt;/version&gt;</a:t>
             </a:r>
           </a:p>
           <a:p>
